--- a/Tableau-Antibiotics.pptx
+++ b/Tableau-Antibiotics.pptx
@@ -3327,7 +3327,7 @@
           <p:cNvPr id="0" name="slide1">
             <a:extLst>
               <a:ext uri="{FF2B5EF4-FFF2-40B4-BE49-F238E27FC236}">
-                <a16:creationId xmlns:a16="http://schemas.microsoft.com/office/drawing/2014/main" id="{53CE8487-20B9-4BA5-B30F-C5DDA18B9F26}"/>
+                <a16:creationId xmlns:a16="http://schemas.microsoft.com/office/drawing/2014/main" id="{23A9C712-6BB0-4856-8117-F5D5B158B5BC}"/>
               </a:ext>
             </a:extLst>
           </p:cNvPr>
@@ -3355,7 +3355,7 @@
           <p:cNvPr id="1" name="slide1">
             <a:extLst>
               <a:ext uri="{FF2B5EF4-FFF2-40B4-BE49-F238E27FC236}">
-                <a16:creationId xmlns:a16="http://schemas.microsoft.com/office/drawing/2014/main" id="{7A6E810E-9E0C-4337-9FA5-413EBAC33C44}"/>
+                <a16:creationId xmlns:a16="http://schemas.microsoft.com/office/drawing/2014/main" id="{6B57FF11-C942-41BD-A6D3-08D6D52650CD}"/>
               </a:ext>
             </a:extLst>
           </p:cNvPr>
@@ -3373,7 +3373,7 @@
           <a:p>
             <a:r>
               <a:rPr/>
-              <a:t>File created on: 9/23/21 12:48:26 AM CDT</a:t>
+              <a:t>File created on: 9/23/21 12:51:06 AM CDT</a:t>
             </a:r>
           </a:p>
         </p:txBody>
@@ -3413,7 +3413,7 @@
           <p:cNvPr descr="Dashboard 1" id="2" name="slide2">
             <a:extLst>
               <a:ext uri="{FF2B5EF4-FFF2-40B4-BE49-F238E27FC236}">
-                <a16:creationId xmlns:a16="http://schemas.microsoft.com/office/drawing/2014/main" id="{A9C2549F-92E4-4296-AE41-E4C8647EACA4}"/>
+                <a16:creationId xmlns:a16="http://schemas.microsoft.com/office/drawing/2014/main" id="{5090299A-4CE3-4A97-9EA7-0308AA65DA29}"/>
               </a:ext>
             </a:extLst>
           </p:cNvPr>

--- a/Tableau-Antibiotics.pptx
+++ b/Tableau-Antibiotics.pptx
@@ -1,12 +1,11 @@
 
 <file path=ppt/presentation.xml><?xml version="1.0" encoding="utf-8"?>
-<p:presentation xmlns:a="http://schemas.openxmlformats.org/drawingml/2006/main" xmlns:p="http://schemas.openxmlformats.org/presentationml/2006/main" xmlns:r="http://schemas.openxmlformats.org/officeDocument/2006/relationships" saveSubsetFonts="1">
+<p:presentation xmlns:a="http://schemas.openxmlformats.org/drawingml/2006/main" xmlns:r="http://schemas.openxmlformats.org/officeDocument/2006/relationships" xmlns:p="http://schemas.openxmlformats.org/presentationml/2006/main" saveSubsetFonts="1">
   <p:sldMasterIdLst>
     <p:sldMasterId id="2147483648" r:id="rId1"/>
   </p:sldMasterIdLst>
   <p:sldIdLst>
-    <p:sldId id="256" r:id="rId6"/>
-    <p:sldId id="257" r:id="rId7"/>
+    <p:sldId id="257" r:id="rId2"/>
   </p:sldIdLst>
   <p:sldSz cx="12192000" cy="6858000"/>
   <p:notesSz cx="6858000" cy="9144000"/>
@@ -14,8 +13,8 @@
     <a:defPPr>
       <a:defRPr lang="en-US"/>
     </a:defPPr>
-    <a:lvl1pPr algn="l" defTabSz="914400" eaLnBrk="1" hangingPunct="1" latinLnBrk="0" marL="0" rtl="0">
-      <a:defRPr kern="1200" sz="1800">
+    <a:lvl1pPr marL="0" algn="l" defTabSz="914400" rtl="0" eaLnBrk="1" latinLnBrk="0" hangingPunct="1">
+      <a:defRPr sz="1800" kern="1200">
         <a:solidFill>
           <a:schemeClr val="tx1"/>
         </a:solidFill>
@@ -24,8 +23,8 @@
         <a:cs typeface="+mn-cs"/>
       </a:defRPr>
     </a:lvl1pPr>
-    <a:lvl2pPr algn="l" defTabSz="914400" eaLnBrk="1" hangingPunct="1" latinLnBrk="0" marL="457200" rtl="0">
-      <a:defRPr kern="1200" sz="1800">
+    <a:lvl2pPr marL="457200" algn="l" defTabSz="914400" rtl="0" eaLnBrk="1" latinLnBrk="0" hangingPunct="1">
+      <a:defRPr sz="1800" kern="1200">
         <a:solidFill>
           <a:schemeClr val="tx1"/>
         </a:solidFill>
@@ -34,8 +33,8 @@
         <a:cs typeface="+mn-cs"/>
       </a:defRPr>
     </a:lvl2pPr>
-    <a:lvl3pPr algn="l" defTabSz="914400" eaLnBrk="1" hangingPunct="1" latinLnBrk="0" marL="914400" rtl="0">
-      <a:defRPr kern="1200" sz="1800">
+    <a:lvl3pPr marL="914400" algn="l" defTabSz="914400" rtl="0" eaLnBrk="1" latinLnBrk="0" hangingPunct="1">
+      <a:defRPr sz="1800" kern="1200">
         <a:solidFill>
           <a:schemeClr val="tx1"/>
         </a:solidFill>
@@ -44,8 +43,8 @@
         <a:cs typeface="+mn-cs"/>
       </a:defRPr>
     </a:lvl3pPr>
-    <a:lvl4pPr algn="l" defTabSz="914400" eaLnBrk="1" hangingPunct="1" latinLnBrk="0" marL="1371600" rtl="0">
-      <a:defRPr kern="1200" sz="1800">
+    <a:lvl4pPr marL="1371600" algn="l" defTabSz="914400" rtl="0" eaLnBrk="1" latinLnBrk="0" hangingPunct="1">
+      <a:defRPr sz="1800" kern="1200">
         <a:solidFill>
           <a:schemeClr val="tx1"/>
         </a:solidFill>
@@ -54,8 +53,8 @@
         <a:cs typeface="+mn-cs"/>
       </a:defRPr>
     </a:lvl4pPr>
-    <a:lvl5pPr algn="l" defTabSz="914400" eaLnBrk="1" hangingPunct="1" latinLnBrk="0" marL="1828800" rtl="0">
-      <a:defRPr kern="1200" sz="1800">
+    <a:lvl5pPr marL="1828800" algn="l" defTabSz="914400" rtl="0" eaLnBrk="1" latinLnBrk="0" hangingPunct="1">
+      <a:defRPr sz="1800" kern="1200">
         <a:solidFill>
           <a:schemeClr val="tx1"/>
         </a:solidFill>
@@ -64,8 +63,8 @@
         <a:cs typeface="+mn-cs"/>
       </a:defRPr>
     </a:lvl5pPr>
-    <a:lvl6pPr algn="l" defTabSz="914400" eaLnBrk="1" hangingPunct="1" latinLnBrk="0" marL="2286000" rtl="0">
-      <a:defRPr kern="1200" sz="1800">
+    <a:lvl6pPr marL="2286000" algn="l" defTabSz="914400" rtl="0" eaLnBrk="1" latinLnBrk="0" hangingPunct="1">
+      <a:defRPr sz="1800" kern="1200">
         <a:solidFill>
           <a:schemeClr val="tx1"/>
         </a:solidFill>
@@ -74,8 +73,8 @@
         <a:cs typeface="+mn-cs"/>
       </a:defRPr>
     </a:lvl6pPr>
-    <a:lvl7pPr algn="l" defTabSz="914400" eaLnBrk="1" hangingPunct="1" latinLnBrk="0" marL="2743200" rtl="0">
-      <a:defRPr kern="1200" sz="1800">
+    <a:lvl7pPr marL="2743200" algn="l" defTabSz="914400" rtl="0" eaLnBrk="1" latinLnBrk="0" hangingPunct="1">
+      <a:defRPr sz="1800" kern="1200">
         <a:solidFill>
           <a:schemeClr val="tx1"/>
         </a:solidFill>
@@ -84,8 +83,8 @@
         <a:cs typeface="+mn-cs"/>
       </a:defRPr>
     </a:lvl7pPr>
-    <a:lvl8pPr algn="l" defTabSz="914400" eaLnBrk="1" hangingPunct="1" latinLnBrk="0" marL="3200400" rtl="0">
-      <a:defRPr kern="1200" sz="1800">
+    <a:lvl8pPr marL="3200400" algn="l" defTabSz="914400" rtl="0" eaLnBrk="1" latinLnBrk="0" hangingPunct="1">
+      <a:defRPr sz="1800" kern="1200">
         <a:solidFill>
           <a:schemeClr val="tx1"/>
         </a:solidFill>
@@ -94,8 +93,8 @@
         <a:cs typeface="+mn-cs"/>
       </a:defRPr>
     </a:lvl8pPr>
-    <a:lvl9pPr algn="l" defTabSz="914400" eaLnBrk="1" hangingPunct="1" latinLnBrk="0" marL="3657600" rtl="0">
-      <a:defRPr kern="1200" sz="1800">
+    <a:lvl9pPr marL="3657600" algn="l" defTabSz="914400" rtl="0" eaLnBrk="1" latinLnBrk="0" hangingPunct="1">
+      <a:defRPr sz="1800" kern="1200">
         <a:solidFill>
           <a:schemeClr val="tx1"/>
         </a:solidFill>
@@ -105,6 +104,11 @@
       </a:defRPr>
     </a:lvl9pPr>
   </p:defaultTextStyle>
+  <p:extLst>
+    <p:ext uri="{EFAFB233-063F-42B5-8137-9DF3F51BA10A}">
+      <p15:sldGuideLst xmlns:p15="http://schemas.microsoft.com/office/powerpoint/2012/main"/>
+    </p:ext>
+  </p:extLst>
 </p:presentation>
 </file>
 
@@ -255,7 +259,7 @@
           <a:p>
             <a:fld id="{EED1C14C-A143-42F5-B247-D0E800131009}" type="datetimeFigureOut">
               <a:rPr lang="en-US" smtClean="0"/>
-              <a:t>8/15/2018</a:t>
+              <a:t>9/23/21</a:t>
             </a:fld>
             <a:endParaRPr lang="en-US"/>
           </a:p>
@@ -453,7 +457,7 @@
           <a:p>
             <a:fld id="{EED1C14C-A143-42F5-B247-D0E800131009}" type="datetimeFigureOut">
               <a:rPr lang="en-US" smtClean="0"/>
-              <a:t>8/15/2018</a:t>
+              <a:t>9/23/21</a:t>
             </a:fld>
             <a:endParaRPr lang="en-US"/>
           </a:p>
@@ -661,7 +665,7 @@
           <a:p>
             <a:fld id="{EED1C14C-A143-42F5-B247-D0E800131009}" type="datetimeFigureOut">
               <a:rPr lang="en-US" smtClean="0"/>
-              <a:t>8/15/2018</a:t>
+              <a:t>9/23/21</a:t>
             </a:fld>
             <a:endParaRPr lang="en-US"/>
           </a:p>
@@ -859,7 +863,7 @@
           <a:p>
             <a:fld id="{EED1C14C-A143-42F5-B247-D0E800131009}" type="datetimeFigureOut">
               <a:rPr lang="en-US" smtClean="0"/>
-              <a:t>8/15/2018</a:t>
+              <a:t>9/23/21</a:t>
             </a:fld>
             <a:endParaRPr lang="en-US"/>
           </a:p>
@@ -1134,7 +1138,7 @@
           <a:p>
             <a:fld id="{EED1C14C-A143-42F5-B247-D0E800131009}" type="datetimeFigureOut">
               <a:rPr lang="en-US" smtClean="0"/>
-              <a:t>8/15/2018</a:t>
+              <a:t>9/23/21</a:t>
             </a:fld>
             <a:endParaRPr lang="en-US"/>
           </a:p>
@@ -1399,7 +1403,7 @@
           <a:p>
             <a:fld id="{EED1C14C-A143-42F5-B247-D0E800131009}" type="datetimeFigureOut">
               <a:rPr lang="en-US" smtClean="0"/>
-              <a:t>8/15/2018</a:t>
+              <a:t>9/23/21</a:t>
             </a:fld>
             <a:endParaRPr lang="en-US"/>
           </a:p>
@@ -1811,7 +1815,7 @@
           <a:p>
             <a:fld id="{EED1C14C-A143-42F5-B247-D0E800131009}" type="datetimeFigureOut">
               <a:rPr lang="en-US" smtClean="0"/>
-              <a:t>8/15/2018</a:t>
+              <a:t>9/23/21</a:t>
             </a:fld>
             <a:endParaRPr lang="en-US"/>
           </a:p>
@@ -1952,7 +1956,7 @@
           <a:p>
             <a:fld id="{EED1C14C-A143-42F5-B247-D0E800131009}" type="datetimeFigureOut">
               <a:rPr lang="en-US" smtClean="0"/>
-              <a:t>8/15/2018</a:t>
+              <a:t>9/23/21</a:t>
             </a:fld>
             <a:endParaRPr lang="en-US"/>
           </a:p>
@@ -2065,7 +2069,7 @@
           <a:p>
             <a:fld id="{EED1C14C-A143-42F5-B247-D0E800131009}" type="datetimeFigureOut">
               <a:rPr lang="en-US" smtClean="0"/>
-              <a:t>8/15/2018</a:t>
+              <a:t>9/23/21</a:t>
             </a:fld>
             <a:endParaRPr lang="en-US"/>
           </a:p>
@@ -2376,7 +2380,7 @@
           <a:p>
             <a:fld id="{EED1C14C-A143-42F5-B247-D0E800131009}" type="datetimeFigureOut">
               <a:rPr lang="en-US" smtClean="0"/>
-              <a:t>8/15/2018</a:t>
+              <a:t>9/23/21</a:t>
             </a:fld>
             <a:endParaRPr lang="en-US"/>
           </a:p>
@@ -2664,7 +2668,7 @@
           <a:p>
             <a:fld id="{EED1C14C-A143-42F5-B247-D0E800131009}" type="datetimeFigureOut">
               <a:rPr lang="en-US" smtClean="0"/>
-              <a:t>8/15/2018</a:t>
+              <a:t>9/23/21</a:t>
             </a:fld>
             <a:endParaRPr lang="en-US"/>
           </a:p>
@@ -2905,7 +2909,7 @@
           <a:p>
             <a:fld id="{EED1C14C-A143-42F5-B247-D0E800131009}" type="datetimeFigureOut">
               <a:rPr lang="en-US" smtClean="0"/>
-              <a:t>8/15/2018</a:t>
+              <a:t>9/23/21</a:t>
             </a:fld>
             <a:endParaRPr lang="en-US"/>
           </a:p>
@@ -3306,93 +3310,7 @@
 </file>
 
 <file path=ppt/slides/slide1.xml><?xml version="1.0" encoding="utf-8"?>
-<p:sld xmlns:a="http://schemas.openxmlformats.org/drawingml/2006/main" xmlns:p="http://schemas.openxmlformats.org/presentationml/2006/main" xmlns:r="http://schemas.openxmlformats.org/officeDocument/2006/relationships">
-  <p:cSld>
-    <p:spTree>
-      <p:nvGrpSpPr>
-        <p:cNvPr id="1" name=""/>
-        <p:cNvGrpSpPr/>
-        <p:nvPr/>
-      </p:nvGrpSpPr>
-      <p:grpSpPr>
-        <a:xfrm>
-          <a:off x="0" y="0"/>
-          <a:ext cx="0" cy="0"/>
-          <a:chOff x="0" y="0"/>
-          <a:chExt cx="0" cy="0"/>
-        </a:xfrm>
-      </p:grpSpPr>
-      <p:sp>
-        <p:nvSpPr>
-          <p:cNvPr id="0" name="slide1">
-            <a:extLst>
-              <a:ext uri="{FF2B5EF4-FFF2-40B4-BE49-F238E27FC236}">
-                <a16:creationId xmlns:a16="http://schemas.microsoft.com/office/drawing/2014/main" id="{23A9C712-6BB0-4856-8117-F5D5B158B5BC}"/>
-              </a:ext>
-            </a:extLst>
-          </p:cNvPr>
-          <p:cNvSpPr>
-            <a:spLocks noGrp="1"/>
-          </p:cNvSpPr>
-          <p:nvPr>
-            <p:ph idx="0" type="ctrTitle"/>
-          </p:nvPr>
-        </p:nvSpPr>
-        <p:spPr/>
-        <p:txBody>
-          <a:bodyPr/>
-          <a:lstStyle/>
-          <a:p>
-            <a:r>
-              <a:rPr/>
-              <a:t>Tableau-Antibiotics</a:t>
-            </a:r>
-          </a:p>
-        </p:txBody>
-      </p:sp>
-      <p:sp>
-        <p:nvSpPr>
-          <p:cNvPr id="1" name="slide1">
-            <a:extLst>
-              <a:ext uri="{FF2B5EF4-FFF2-40B4-BE49-F238E27FC236}">
-                <a16:creationId xmlns:a16="http://schemas.microsoft.com/office/drawing/2014/main" id="{6B57FF11-C942-41BD-A6D3-08D6D52650CD}"/>
-              </a:ext>
-            </a:extLst>
-          </p:cNvPr>
-          <p:cNvSpPr>
-            <a:spLocks noGrp="1"/>
-          </p:cNvSpPr>
-          <p:nvPr>
-            <p:ph idx="1" type="subTitle"/>
-          </p:nvPr>
-        </p:nvSpPr>
-        <p:spPr/>
-        <p:txBody>
-          <a:bodyPr/>
-          <a:lstStyle/>
-          <a:p>
-            <a:r>
-              <a:rPr/>
-              <a:t>File created on: 9/23/21 12:51:06 AM CDT</a:t>
-            </a:r>
-          </a:p>
-        </p:txBody>
-      </p:sp>
-    </p:spTree>
-    <p:extLst>
-      <p:ext uri="{BB962C8B-B14F-4D97-AF65-F5344CB8AC3E}">
-        <p14:creationId xmlns:p14="http://schemas.microsoft.com/office/powerpoint/2010/main" val="95992585"/>
-      </p:ext>
-    </p:extLst>
-  </p:cSld>
-  <p:clrMapOvr>
-    <a:masterClrMapping/>
-  </p:clrMapOvr>
-</p:sld>
-</file>
-
-<file path=ppt/slides/slide2.xml><?xml version="1.0" encoding="utf-8"?>
-<p:sld xmlns:a="http://schemas.openxmlformats.org/drawingml/2006/main" xmlns:p="http://schemas.openxmlformats.org/presentationml/2006/main" xmlns:r="http://schemas.openxmlformats.org/officeDocument/2006/relationships">
+<p:sld xmlns:a="http://schemas.openxmlformats.org/drawingml/2006/main" xmlns:r="http://schemas.openxmlformats.org/officeDocument/2006/relationships" xmlns:p="http://schemas.openxmlformats.org/presentationml/2006/main">
   <p:cSld>
     <p:spTree>
       <p:nvGrpSpPr>
@@ -3410,10 +3328,10 @@
       </p:grpSpPr>
       <p:pic>
         <p:nvPicPr>
-          <p:cNvPr descr="Dashboard 1" id="2" name="slide2">
-            <a:extLst>
-              <a:ext uri="{FF2B5EF4-FFF2-40B4-BE49-F238E27FC236}">
-                <a16:creationId xmlns:a16="http://schemas.microsoft.com/office/drawing/2014/main" id="{5090299A-4CE3-4A97-9EA7-0308AA65DA29}"/>
+          <p:cNvPr id="2" name="slide2" descr="Dashboard 1">
+            <a:extLst>
+              <a:ext uri="{FF2B5EF4-FFF2-40B4-BE49-F238E27FC236}">
+                <a16:creationId xmlns:a16="http://schemas.microsoft.com/office/drawing/2014/main" id="{0C84C58E-8C04-4EC9-9514-D3BF7EEDDE1C}"/>
               </a:ext>
             </a:extLst>
           </p:cNvPr>
@@ -3423,7 +3341,7 @@
           <p:nvPr/>
         </p:nvPicPr>
         <p:blipFill>
-          <a:blip r:embed="rId7">
+          <a:blip r:embed="rId2">
             <a:extLst>
               <a:ext uri="{28A0092B-C50C-407E-A947-70E740481C1C}">
                 <a14:useLocalDpi xmlns:a14="http://schemas.microsoft.com/office/drawing/2010/main" val="0"/>
@@ -3444,36 +3362,6 @@
           </a:prstGeom>
         </p:spPr>
       </p:pic>
-    </p:spTree>
-    <p:extLst>
-      <p:ext uri="{BB962C8B-B14F-4D97-AF65-F5344CB8AC3E}">
-        <p14:creationId xmlns:p14="http://schemas.microsoft.com/office/powerpoint/2010/main" val="95992585"/>
-      </p:ext>
-    </p:extLst>
-  </p:cSld>
-  <p:clrMapOvr>
-    <a:masterClrMapping/>
-  </p:clrMapOvr>
-</p:sld>
-</file>
-
-<file path=ppt/slides/slideTemplate.xml><?xml version="1.0" encoding="utf-8"?>
-<p:sld xmlns:a="http://schemas.openxmlformats.org/drawingml/2006/main" xmlns:r="http://schemas.openxmlformats.org/officeDocument/2006/relationships" xmlns:p="http://schemas.openxmlformats.org/presentationml/2006/main">
-  <p:cSld>
-    <p:spTree>
-      <p:nvGrpSpPr>
-        <p:cNvPr id="1" name=""/>
-        <p:cNvGrpSpPr/>
-        <p:nvPr/>
-      </p:nvGrpSpPr>
-      <p:grpSpPr>
-        <a:xfrm>
-          <a:off x="0" y="0"/>
-          <a:ext cx="0" cy="0"/>
-          <a:chOff x="0" y="0"/>
-          <a:chExt cx="0" cy="0"/>
-        </a:xfrm>
-      </p:grpSpPr>
     </p:spTree>
     <p:extLst>
       <p:ext uri="{BB962C8B-B14F-4D97-AF65-F5344CB8AC3E}">

--- a/Tableau-Antibiotics.pptx
+++ b/Tableau-Antibiotics.pptx
@@ -3328,10 +3328,10 @@
       </p:grpSpPr>
       <p:pic>
         <p:nvPicPr>
-          <p:cNvPr id="2" name="slide2" descr="Dashboard 1">
-            <a:extLst>
-              <a:ext uri="{FF2B5EF4-FFF2-40B4-BE49-F238E27FC236}">
-                <a16:creationId xmlns:a16="http://schemas.microsoft.com/office/drawing/2014/main" id="{0C84C58E-8C04-4EC9-9514-D3BF7EEDDE1C}"/>
+          <p:cNvPr id="2" name="slide2" descr="Dashboard 2">
+            <a:extLst>
+              <a:ext uri="{FF2B5EF4-FFF2-40B4-BE49-F238E27FC236}">
+                <a16:creationId xmlns:a16="http://schemas.microsoft.com/office/drawing/2014/main" id="{B1413333-1238-456B-A75A-F4F280D6E976}"/>
               </a:ext>
             </a:extLst>
           </p:cNvPr>

--- a/Tableau-Antibiotics.pptx
+++ b/Tableau-Antibiotics.pptx
@@ -3331,7 +3331,7 @@
           <p:cNvPr id="2" name="slide2" descr="Dashboard 2">
             <a:extLst>
               <a:ext uri="{FF2B5EF4-FFF2-40B4-BE49-F238E27FC236}">
-                <a16:creationId xmlns:a16="http://schemas.microsoft.com/office/drawing/2014/main" id="{B1413333-1238-456B-A75A-F4F280D6E976}"/>
+                <a16:creationId xmlns:a16="http://schemas.microsoft.com/office/drawing/2014/main" id="{EDEC1D70-7B3F-4586-B8DA-7769AC04D06B}"/>
               </a:ext>
             </a:extLst>
           </p:cNvPr>

--- a/Tableau-Antibiotics.pptx
+++ b/Tableau-Antibiotics.pptx
@@ -3331,7 +3331,7 @@
           <p:cNvPr id="2" name="slide2" descr="Dashboard 2">
             <a:extLst>
               <a:ext uri="{FF2B5EF4-FFF2-40B4-BE49-F238E27FC236}">
-                <a16:creationId xmlns:a16="http://schemas.microsoft.com/office/drawing/2014/main" id="{EDEC1D70-7B3F-4586-B8DA-7769AC04D06B}"/>
+                <a16:creationId xmlns:a16="http://schemas.microsoft.com/office/drawing/2014/main" id="{70194BB4-77F5-4F80-AE28-B1D99188A0B5}"/>
               </a:ext>
             </a:extLst>
           </p:cNvPr>

--- a/Tableau-Antibiotics.pptx
+++ b/Tableau-Antibiotics.pptx
@@ -3328,10 +3328,10 @@
       </p:grpSpPr>
       <p:pic>
         <p:nvPicPr>
-          <p:cNvPr id="2" name="slide2" descr="Dashboard 2">
-            <a:extLst>
-              <a:ext uri="{FF2B5EF4-FFF2-40B4-BE49-F238E27FC236}">
-                <a16:creationId xmlns:a16="http://schemas.microsoft.com/office/drawing/2014/main" id="{70194BB4-77F5-4F80-AE28-B1D99188A0B5}"/>
+          <p:cNvPr id="2" name="slide2" descr="Dashboard 5">
+            <a:extLst>
+              <a:ext uri="{FF2B5EF4-FFF2-40B4-BE49-F238E27FC236}">
+                <a16:creationId xmlns:a16="http://schemas.microsoft.com/office/drawing/2014/main" id="{20FD629D-2FCF-4521-8799-C68F65ED8550}"/>
               </a:ext>
             </a:extLst>
           </p:cNvPr>
@@ -3354,8 +3354,8 @@
         </p:blipFill>
         <p:spPr>
           <a:xfrm>
-            <a:off x="619125" y="95250"/>
-            <a:ext cx="10953750" cy="6667500"/>
+            <a:off x="1248961" y="0"/>
+            <a:ext cx="9694077" cy="6858000"/>
           </a:xfrm>
           <a:prstGeom prst="rect">
             <a:avLst/>

--- a/Tableau-Antibiotics.pptx
+++ b/Tableau-Antibiotics.pptx
@@ -1,11 +1,12 @@
 
 <file path=ppt/presentation.xml><?xml version="1.0" encoding="utf-8"?>
-<p:presentation xmlns:a="http://schemas.openxmlformats.org/drawingml/2006/main" xmlns:r="http://schemas.openxmlformats.org/officeDocument/2006/relationships" xmlns:p="http://schemas.openxmlformats.org/presentationml/2006/main" saveSubsetFonts="1">
+<p:presentation xmlns:a="http://schemas.openxmlformats.org/drawingml/2006/main" xmlns:p="http://schemas.openxmlformats.org/presentationml/2006/main" xmlns:r="http://schemas.openxmlformats.org/officeDocument/2006/relationships" saveSubsetFonts="1">
   <p:sldMasterIdLst>
     <p:sldMasterId id="2147483648" r:id="rId1"/>
   </p:sldMasterIdLst>
   <p:sldIdLst>
-    <p:sldId id="257" r:id="rId2"/>
+    <p:sldId id="256" r:id="rId6"/>
+    <p:sldId id="257" r:id="rId7"/>
   </p:sldIdLst>
   <p:sldSz cx="12192000" cy="6858000"/>
   <p:notesSz cx="6858000" cy="9144000"/>
@@ -13,8 +14,8 @@
     <a:defPPr>
       <a:defRPr lang="en-US"/>
     </a:defPPr>
-    <a:lvl1pPr marL="0" algn="l" defTabSz="914400" rtl="0" eaLnBrk="1" latinLnBrk="0" hangingPunct="1">
-      <a:defRPr sz="1800" kern="1200">
+    <a:lvl1pPr algn="l" defTabSz="914400" eaLnBrk="1" hangingPunct="1" latinLnBrk="0" marL="0" rtl="0">
+      <a:defRPr kern="1200" sz="1800">
         <a:solidFill>
           <a:schemeClr val="tx1"/>
         </a:solidFill>
@@ -23,8 +24,8 @@
         <a:cs typeface="+mn-cs"/>
       </a:defRPr>
     </a:lvl1pPr>
-    <a:lvl2pPr marL="457200" algn="l" defTabSz="914400" rtl="0" eaLnBrk="1" latinLnBrk="0" hangingPunct="1">
-      <a:defRPr sz="1800" kern="1200">
+    <a:lvl2pPr algn="l" defTabSz="914400" eaLnBrk="1" hangingPunct="1" latinLnBrk="0" marL="457200" rtl="0">
+      <a:defRPr kern="1200" sz="1800">
         <a:solidFill>
           <a:schemeClr val="tx1"/>
         </a:solidFill>
@@ -33,8 +34,8 @@
         <a:cs typeface="+mn-cs"/>
       </a:defRPr>
     </a:lvl2pPr>
-    <a:lvl3pPr marL="914400" algn="l" defTabSz="914400" rtl="0" eaLnBrk="1" latinLnBrk="0" hangingPunct="1">
-      <a:defRPr sz="1800" kern="1200">
+    <a:lvl3pPr algn="l" defTabSz="914400" eaLnBrk="1" hangingPunct="1" latinLnBrk="0" marL="914400" rtl="0">
+      <a:defRPr kern="1200" sz="1800">
         <a:solidFill>
           <a:schemeClr val="tx1"/>
         </a:solidFill>
@@ -43,8 +44,8 @@
         <a:cs typeface="+mn-cs"/>
       </a:defRPr>
     </a:lvl3pPr>
-    <a:lvl4pPr marL="1371600" algn="l" defTabSz="914400" rtl="0" eaLnBrk="1" latinLnBrk="0" hangingPunct="1">
-      <a:defRPr sz="1800" kern="1200">
+    <a:lvl4pPr algn="l" defTabSz="914400" eaLnBrk="1" hangingPunct="1" latinLnBrk="0" marL="1371600" rtl="0">
+      <a:defRPr kern="1200" sz="1800">
         <a:solidFill>
           <a:schemeClr val="tx1"/>
         </a:solidFill>
@@ -53,8 +54,8 @@
         <a:cs typeface="+mn-cs"/>
       </a:defRPr>
     </a:lvl4pPr>
-    <a:lvl5pPr marL="1828800" algn="l" defTabSz="914400" rtl="0" eaLnBrk="1" latinLnBrk="0" hangingPunct="1">
-      <a:defRPr sz="1800" kern="1200">
+    <a:lvl5pPr algn="l" defTabSz="914400" eaLnBrk="1" hangingPunct="1" latinLnBrk="0" marL="1828800" rtl="0">
+      <a:defRPr kern="1200" sz="1800">
         <a:solidFill>
           <a:schemeClr val="tx1"/>
         </a:solidFill>
@@ -63,8 +64,8 @@
         <a:cs typeface="+mn-cs"/>
       </a:defRPr>
     </a:lvl5pPr>
-    <a:lvl6pPr marL="2286000" algn="l" defTabSz="914400" rtl="0" eaLnBrk="1" latinLnBrk="0" hangingPunct="1">
-      <a:defRPr sz="1800" kern="1200">
+    <a:lvl6pPr algn="l" defTabSz="914400" eaLnBrk="1" hangingPunct="1" latinLnBrk="0" marL="2286000" rtl="0">
+      <a:defRPr kern="1200" sz="1800">
         <a:solidFill>
           <a:schemeClr val="tx1"/>
         </a:solidFill>
@@ -73,8 +74,8 @@
         <a:cs typeface="+mn-cs"/>
       </a:defRPr>
     </a:lvl6pPr>
-    <a:lvl7pPr marL="2743200" algn="l" defTabSz="914400" rtl="0" eaLnBrk="1" latinLnBrk="0" hangingPunct="1">
-      <a:defRPr sz="1800" kern="1200">
+    <a:lvl7pPr algn="l" defTabSz="914400" eaLnBrk="1" hangingPunct="1" latinLnBrk="0" marL="2743200" rtl="0">
+      <a:defRPr kern="1200" sz="1800">
         <a:solidFill>
           <a:schemeClr val="tx1"/>
         </a:solidFill>
@@ -83,8 +84,8 @@
         <a:cs typeface="+mn-cs"/>
       </a:defRPr>
     </a:lvl7pPr>
-    <a:lvl8pPr marL="3200400" algn="l" defTabSz="914400" rtl="0" eaLnBrk="1" latinLnBrk="0" hangingPunct="1">
-      <a:defRPr sz="1800" kern="1200">
+    <a:lvl8pPr algn="l" defTabSz="914400" eaLnBrk="1" hangingPunct="1" latinLnBrk="0" marL="3200400" rtl="0">
+      <a:defRPr kern="1200" sz="1800">
         <a:solidFill>
           <a:schemeClr val="tx1"/>
         </a:solidFill>
@@ -93,8 +94,8 @@
         <a:cs typeface="+mn-cs"/>
       </a:defRPr>
     </a:lvl8pPr>
-    <a:lvl9pPr marL="3657600" algn="l" defTabSz="914400" rtl="0" eaLnBrk="1" latinLnBrk="0" hangingPunct="1">
-      <a:defRPr sz="1800" kern="1200">
+    <a:lvl9pPr algn="l" defTabSz="914400" eaLnBrk="1" hangingPunct="1" latinLnBrk="0" marL="3657600" rtl="0">
+      <a:defRPr kern="1200" sz="1800">
         <a:solidFill>
           <a:schemeClr val="tx1"/>
         </a:solidFill>
@@ -104,11 +105,6 @@
       </a:defRPr>
     </a:lvl9pPr>
   </p:defaultTextStyle>
-  <p:extLst>
-    <p:ext uri="{EFAFB233-063F-42B5-8137-9DF3F51BA10A}">
-      <p15:sldGuideLst xmlns:p15="http://schemas.microsoft.com/office/powerpoint/2012/main"/>
-    </p:ext>
-  </p:extLst>
 </p:presentation>
 </file>
 
@@ -259,7 +255,7 @@
           <a:p>
             <a:fld id="{EED1C14C-A143-42F5-B247-D0E800131009}" type="datetimeFigureOut">
               <a:rPr lang="en-US" smtClean="0"/>
-              <a:t>9/23/21</a:t>
+              <a:t>8/15/2018</a:t>
             </a:fld>
             <a:endParaRPr lang="en-US"/>
           </a:p>
@@ -457,7 +453,7 @@
           <a:p>
             <a:fld id="{EED1C14C-A143-42F5-B247-D0E800131009}" type="datetimeFigureOut">
               <a:rPr lang="en-US" smtClean="0"/>
-              <a:t>9/23/21</a:t>
+              <a:t>8/15/2018</a:t>
             </a:fld>
             <a:endParaRPr lang="en-US"/>
           </a:p>
@@ -665,7 +661,7 @@
           <a:p>
             <a:fld id="{EED1C14C-A143-42F5-B247-D0E800131009}" type="datetimeFigureOut">
               <a:rPr lang="en-US" smtClean="0"/>
-              <a:t>9/23/21</a:t>
+              <a:t>8/15/2018</a:t>
             </a:fld>
             <a:endParaRPr lang="en-US"/>
           </a:p>
@@ -863,7 +859,7 @@
           <a:p>
             <a:fld id="{EED1C14C-A143-42F5-B247-D0E800131009}" type="datetimeFigureOut">
               <a:rPr lang="en-US" smtClean="0"/>
-              <a:t>9/23/21</a:t>
+              <a:t>8/15/2018</a:t>
             </a:fld>
             <a:endParaRPr lang="en-US"/>
           </a:p>
@@ -1138,7 +1134,7 @@
           <a:p>
             <a:fld id="{EED1C14C-A143-42F5-B247-D0E800131009}" type="datetimeFigureOut">
               <a:rPr lang="en-US" smtClean="0"/>
-              <a:t>9/23/21</a:t>
+              <a:t>8/15/2018</a:t>
             </a:fld>
             <a:endParaRPr lang="en-US"/>
           </a:p>
@@ -1403,7 +1399,7 @@
           <a:p>
             <a:fld id="{EED1C14C-A143-42F5-B247-D0E800131009}" type="datetimeFigureOut">
               <a:rPr lang="en-US" smtClean="0"/>
-              <a:t>9/23/21</a:t>
+              <a:t>8/15/2018</a:t>
             </a:fld>
             <a:endParaRPr lang="en-US"/>
           </a:p>
@@ -1815,7 +1811,7 @@
           <a:p>
             <a:fld id="{EED1C14C-A143-42F5-B247-D0E800131009}" type="datetimeFigureOut">
               <a:rPr lang="en-US" smtClean="0"/>
-              <a:t>9/23/21</a:t>
+              <a:t>8/15/2018</a:t>
             </a:fld>
             <a:endParaRPr lang="en-US"/>
           </a:p>
@@ -1956,7 +1952,7 @@
           <a:p>
             <a:fld id="{EED1C14C-A143-42F5-B247-D0E800131009}" type="datetimeFigureOut">
               <a:rPr lang="en-US" smtClean="0"/>
-              <a:t>9/23/21</a:t>
+              <a:t>8/15/2018</a:t>
             </a:fld>
             <a:endParaRPr lang="en-US"/>
           </a:p>
@@ -2069,7 +2065,7 @@
           <a:p>
             <a:fld id="{EED1C14C-A143-42F5-B247-D0E800131009}" type="datetimeFigureOut">
               <a:rPr lang="en-US" smtClean="0"/>
-              <a:t>9/23/21</a:t>
+              <a:t>8/15/2018</a:t>
             </a:fld>
             <a:endParaRPr lang="en-US"/>
           </a:p>
@@ -2380,7 +2376,7 @@
           <a:p>
             <a:fld id="{EED1C14C-A143-42F5-B247-D0E800131009}" type="datetimeFigureOut">
               <a:rPr lang="en-US" smtClean="0"/>
-              <a:t>9/23/21</a:t>
+              <a:t>8/15/2018</a:t>
             </a:fld>
             <a:endParaRPr lang="en-US"/>
           </a:p>
@@ -2668,7 +2664,7 @@
           <a:p>
             <a:fld id="{EED1C14C-A143-42F5-B247-D0E800131009}" type="datetimeFigureOut">
               <a:rPr lang="en-US" smtClean="0"/>
-              <a:t>9/23/21</a:t>
+              <a:t>8/15/2018</a:t>
             </a:fld>
             <a:endParaRPr lang="en-US"/>
           </a:p>
@@ -2909,7 +2905,7 @@
           <a:p>
             <a:fld id="{EED1C14C-A143-42F5-B247-D0E800131009}" type="datetimeFigureOut">
               <a:rPr lang="en-US" smtClean="0"/>
-              <a:t>9/23/21</a:t>
+              <a:t>8/15/2018</a:t>
             </a:fld>
             <a:endParaRPr lang="en-US"/>
           </a:p>
@@ -3310,7 +3306,93 @@
 </file>
 
 <file path=ppt/slides/slide1.xml><?xml version="1.0" encoding="utf-8"?>
-<p:sld xmlns:a="http://schemas.openxmlformats.org/drawingml/2006/main" xmlns:r="http://schemas.openxmlformats.org/officeDocument/2006/relationships" xmlns:p="http://schemas.openxmlformats.org/presentationml/2006/main">
+<p:sld xmlns:a="http://schemas.openxmlformats.org/drawingml/2006/main" xmlns:p="http://schemas.openxmlformats.org/presentationml/2006/main" xmlns:r="http://schemas.openxmlformats.org/officeDocument/2006/relationships">
+  <p:cSld>
+    <p:spTree>
+      <p:nvGrpSpPr>
+        <p:cNvPr id="1" name=""/>
+        <p:cNvGrpSpPr/>
+        <p:nvPr/>
+      </p:nvGrpSpPr>
+      <p:grpSpPr>
+        <a:xfrm>
+          <a:off x="0" y="0"/>
+          <a:ext cx="0" cy="0"/>
+          <a:chOff x="0" y="0"/>
+          <a:chExt cx="0" cy="0"/>
+        </a:xfrm>
+      </p:grpSpPr>
+      <p:sp>
+        <p:nvSpPr>
+          <p:cNvPr id="0" name="slide1">
+            <a:extLst>
+              <a:ext uri="{FF2B5EF4-FFF2-40B4-BE49-F238E27FC236}">
+                <a16:creationId xmlns:a16="http://schemas.microsoft.com/office/drawing/2014/main" id="{9CD7FC29-378B-4BE2-A0ED-C0B5BFF8D76A}"/>
+              </a:ext>
+            </a:extLst>
+          </p:cNvPr>
+          <p:cNvSpPr>
+            <a:spLocks noGrp="1"/>
+          </p:cNvSpPr>
+          <p:nvPr>
+            <p:ph idx="0" type="ctrTitle"/>
+          </p:nvPr>
+        </p:nvSpPr>
+        <p:spPr/>
+        <p:txBody>
+          <a:bodyPr/>
+          <a:lstStyle/>
+          <a:p>
+            <a:r>
+              <a:rPr/>
+              <a:t>Tableau-Antibiotics</a:t>
+            </a:r>
+          </a:p>
+        </p:txBody>
+      </p:sp>
+      <p:sp>
+        <p:nvSpPr>
+          <p:cNvPr id="1" name="slide1">
+            <a:extLst>
+              <a:ext uri="{FF2B5EF4-FFF2-40B4-BE49-F238E27FC236}">
+                <a16:creationId xmlns:a16="http://schemas.microsoft.com/office/drawing/2014/main" id="{B57F929F-A31A-4E02-8F07-164656780CE9}"/>
+              </a:ext>
+            </a:extLst>
+          </p:cNvPr>
+          <p:cNvSpPr>
+            <a:spLocks noGrp="1"/>
+          </p:cNvSpPr>
+          <p:nvPr>
+            <p:ph idx="1" type="subTitle"/>
+          </p:nvPr>
+        </p:nvSpPr>
+        <p:spPr/>
+        <p:txBody>
+          <a:bodyPr/>
+          <a:lstStyle/>
+          <a:p>
+            <a:r>
+              <a:rPr/>
+              <a:t>File created on: 9/23/21 4:38:46 AM CDT</a:t>
+            </a:r>
+          </a:p>
+        </p:txBody>
+      </p:sp>
+    </p:spTree>
+    <p:extLst>
+      <p:ext uri="{BB962C8B-B14F-4D97-AF65-F5344CB8AC3E}">
+        <p14:creationId xmlns:p14="http://schemas.microsoft.com/office/powerpoint/2010/main" val="95992585"/>
+      </p:ext>
+    </p:extLst>
+  </p:cSld>
+  <p:clrMapOvr>
+    <a:masterClrMapping/>
+  </p:clrMapOvr>
+</p:sld>
+</file>
+
+<file path=ppt/slides/slide2.xml><?xml version="1.0" encoding="utf-8"?>
+<p:sld xmlns:a="http://schemas.openxmlformats.org/drawingml/2006/main" xmlns:p="http://schemas.openxmlformats.org/presentationml/2006/main" xmlns:r="http://schemas.openxmlformats.org/officeDocument/2006/relationships">
   <p:cSld>
     <p:spTree>
       <p:nvGrpSpPr>
@@ -3328,10 +3410,10 @@
       </p:grpSpPr>
       <p:pic>
         <p:nvPicPr>
-          <p:cNvPr id="2" name="slide2" descr="Dashboard 5">
-            <a:extLst>
-              <a:ext uri="{FF2B5EF4-FFF2-40B4-BE49-F238E27FC236}">
-                <a16:creationId xmlns:a16="http://schemas.microsoft.com/office/drawing/2014/main" id="{20FD629D-2FCF-4521-8799-C68F65ED8550}"/>
+          <p:cNvPr descr="Dashboard 5 (3)" id="2" name="slide2">
+            <a:extLst>
+              <a:ext uri="{FF2B5EF4-FFF2-40B4-BE49-F238E27FC236}">
+                <a16:creationId xmlns:a16="http://schemas.microsoft.com/office/drawing/2014/main" id="{6478DBB4-505D-4B69-9000-25D2A45264F1}"/>
               </a:ext>
             </a:extLst>
           </p:cNvPr>
@@ -3341,7 +3423,7 @@
           <p:nvPr/>
         </p:nvPicPr>
         <p:blipFill>
-          <a:blip r:embed="rId2">
+          <a:blip r:embed="rId7">
             <a:extLst>
               <a:ext uri="{28A0092B-C50C-407E-A947-70E740481C1C}">
                 <a14:useLocalDpi xmlns:a14="http://schemas.microsoft.com/office/drawing/2010/main" val="0"/>
@@ -3354,14 +3436,44 @@
         </p:blipFill>
         <p:spPr>
           <a:xfrm>
-            <a:off x="1248961" y="0"/>
-            <a:ext cx="9694077" cy="6858000"/>
+            <a:off x="609600" y="0"/>
+            <a:ext cx="10972800" cy="6858000"/>
           </a:xfrm>
           <a:prstGeom prst="rect">
             <a:avLst/>
           </a:prstGeom>
         </p:spPr>
       </p:pic>
+    </p:spTree>
+    <p:extLst>
+      <p:ext uri="{BB962C8B-B14F-4D97-AF65-F5344CB8AC3E}">
+        <p14:creationId xmlns:p14="http://schemas.microsoft.com/office/powerpoint/2010/main" val="95992585"/>
+      </p:ext>
+    </p:extLst>
+  </p:cSld>
+  <p:clrMapOvr>
+    <a:masterClrMapping/>
+  </p:clrMapOvr>
+</p:sld>
+</file>
+
+<file path=ppt/slides/slideTemplate.xml><?xml version="1.0" encoding="utf-8"?>
+<p:sld xmlns:a="http://schemas.openxmlformats.org/drawingml/2006/main" xmlns:r="http://schemas.openxmlformats.org/officeDocument/2006/relationships" xmlns:p="http://schemas.openxmlformats.org/presentationml/2006/main">
+  <p:cSld>
+    <p:spTree>
+      <p:nvGrpSpPr>
+        <p:cNvPr id="1" name=""/>
+        <p:cNvGrpSpPr/>
+        <p:nvPr/>
+      </p:nvGrpSpPr>
+      <p:grpSpPr>
+        <a:xfrm>
+          <a:off x="0" y="0"/>
+          <a:ext cx="0" cy="0"/>
+          <a:chOff x="0" y="0"/>
+          <a:chExt cx="0" cy="0"/>
+        </a:xfrm>
+      </p:grpSpPr>
     </p:spTree>
     <p:extLst>
       <p:ext uri="{BB962C8B-B14F-4D97-AF65-F5344CB8AC3E}">

--- a/Tableau-Antibiotics.pptx
+++ b/Tableau-Antibiotics.pptx
@@ -1,12 +1,11 @@
 
 <file path=ppt/presentation.xml><?xml version="1.0" encoding="utf-8"?>
-<p:presentation xmlns:a="http://schemas.openxmlformats.org/drawingml/2006/main" xmlns:p="http://schemas.openxmlformats.org/presentationml/2006/main" xmlns:r="http://schemas.openxmlformats.org/officeDocument/2006/relationships" saveSubsetFonts="1">
+<p:presentation xmlns:a="http://schemas.openxmlformats.org/drawingml/2006/main" xmlns:r="http://schemas.openxmlformats.org/officeDocument/2006/relationships" xmlns:p="http://schemas.openxmlformats.org/presentationml/2006/main" saveSubsetFonts="1">
   <p:sldMasterIdLst>
     <p:sldMasterId id="2147483648" r:id="rId1"/>
   </p:sldMasterIdLst>
   <p:sldIdLst>
-    <p:sldId id="256" r:id="rId6"/>
-    <p:sldId id="257" r:id="rId7"/>
+    <p:sldId id="257" r:id="rId2"/>
   </p:sldIdLst>
   <p:sldSz cx="12192000" cy="6858000"/>
   <p:notesSz cx="6858000" cy="9144000"/>
@@ -14,8 +13,8 @@
     <a:defPPr>
       <a:defRPr lang="en-US"/>
     </a:defPPr>
-    <a:lvl1pPr algn="l" defTabSz="914400" eaLnBrk="1" hangingPunct="1" latinLnBrk="0" marL="0" rtl="0">
-      <a:defRPr kern="1200" sz="1800">
+    <a:lvl1pPr marL="0" algn="l" defTabSz="914400" rtl="0" eaLnBrk="1" latinLnBrk="0" hangingPunct="1">
+      <a:defRPr sz="1800" kern="1200">
         <a:solidFill>
           <a:schemeClr val="tx1"/>
         </a:solidFill>
@@ -24,8 +23,8 @@
         <a:cs typeface="+mn-cs"/>
       </a:defRPr>
     </a:lvl1pPr>
-    <a:lvl2pPr algn="l" defTabSz="914400" eaLnBrk="1" hangingPunct="1" latinLnBrk="0" marL="457200" rtl="0">
-      <a:defRPr kern="1200" sz="1800">
+    <a:lvl2pPr marL="457200" algn="l" defTabSz="914400" rtl="0" eaLnBrk="1" latinLnBrk="0" hangingPunct="1">
+      <a:defRPr sz="1800" kern="1200">
         <a:solidFill>
           <a:schemeClr val="tx1"/>
         </a:solidFill>
@@ -34,8 +33,8 @@
         <a:cs typeface="+mn-cs"/>
       </a:defRPr>
     </a:lvl2pPr>
-    <a:lvl3pPr algn="l" defTabSz="914400" eaLnBrk="1" hangingPunct="1" latinLnBrk="0" marL="914400" rtl="0">
-      <a:defRPr kern="1200" sz="1800">
+    <a:lvl3pPr marL="914400" algn="l" defTabSz="914400" rtl="0" eaLnBrk="1" latinLnBrk="0" hangingPunct="1">
+      <a:defRPr sz="1800" kern="1200">
         <a:solidFill>
           <a:schemeClr val="tx1"/>
         </a:solidFill>
@@ -44,8 +43,8 @@
         <a:cs typeface="+mn-cs"/>
       </a:defRPr>
     </a:lvl3pPr>
-    <a:lvl4pPr algn="l" defTabSz="914400" eaLnBrk="1" hangingPunct="1" latinLnBrk="0" marL="1371600" rtl="0">
-      <a:defRPr kern="1200" sz="1800">
+    <a:lvl4pPr marL="1371600" algn="l" defTabSz="914400" rtl="0" eaLnBrk="1" latinLnBrk="0" hangingPunct="1">
+      <a:defRPr sz="1800" kern="1200">
         <a:solidFill>
           <a:schemeClr val="tx1"/>
         </a:solidFill>
@@ -54,8 +53,8 @@
         <a:cs typeface="+mn-cs"/>
       </a:defRPr>
     </a:lvl4pPr>
-    <a:lvl5pPr algn="l" defTabSz="914400" eaLnBrk="1" hangingPunct="1" latinLnBrk="0" marL="1828800" rtl="0">
-      <a:defRPr kern="1200" sz="1800">
+    <a:lvl5pPr marL="1828800" algn="l" defTabSz="914400" rtl="0" eaLnBrk="1" latinLnBrk="0" hangingPunct="1">
+      <a:defRPr sz="1800" kern="1200">
         <a:solidFill>
           <a:schemeClr val="tx1"/>
         </a:solidFill>
@@ -64,8 +63,8 @@
         <a:cs typeface="+mn-cs"/>
       </a:defRPr>
     </a:lvl5pPr>
-    <a:lvl6pPr algn="l" defTabSz="914400" eaLnBrk="1" hangingPunct="1" latinLnBrk="0" marL="2286000" rtl="0">
-      <a:defRPr kern="1200" sz="1800">
+    <a:lvl6pPr marL="2286000" algn="l" defTabSz="914400" rtl="0" eaLnBrk="1" latinLnBrk="0" hangingPunct="1">
+      <a:defRPr sz="1800" kern="1200">
         <a:solidFill>
           <a:schemeClr val="tx1"/>
         </a:solidFill>
@@ -74,8 +73,8 @@
         <a:cs typeface="+mn-cs"/>
       </a:defRPr>
     </a:lvl6pPr>
-    <a:lvl7pPr algn="l" defTabSz="914400" eaLnBrk="1" hangingPunct="1" latinLnBrk="0" marL="2743200" rtl="0">
-      <a:defRPr kern="1200" sz="1800">
+    <a:lvl7pPr marL="2743200" algn="l" defTabSz="914400" rtl="0" eaLnBrk="1" latinLnBrk="0" hangingPunct="1">
+      <a:defRPr sz="1800" kern="1200">
         <a:solidFill>
           <a:schemeClr val="tx1"/>
         </a:solidFill>
@@ -84,8 +83,8 @@
         <a:cs typeface="+mn-cs"/>
       </a:defRPr>
     </a:lvl7pPr>
-    <a:lvl8pPr algn="l" defTabSz="914400" eaLnBrk="1" hangingPunct="1" latinLnBrk="0" marL="3200400" rtl="0">
-      <a:defRPr kern="1200" sz="1800">
+    <a:lvl8pPr marL="3200400" algn="l" defTabSz="914400" rtl="0" eaLnBrk="1" latinLnBrk="0" hangingPunct="1">
+      <a:defRPr sz="1800" kern="1200">
         <a:solidFill>
           <a:schemeClr val="tx1"/>
         </a:solidFill>
@@ -94,8 +93,8 @@
         <a:cs typeface="+mn-cs"/>
       </a:defRPr>
     </a:lvl8pPr>
-    <a:lvl9pPr algn="l" defTabSz="914400" eaLnBrk="1" hangingPunct="1" latinLnBrk="0" marL="3657600" rtl="0">
-      <a:defRPr kern="1200" sz="1800">
+    <a:lvl9pPr marL="3657600" algn="l" defTabSz="914400" rtl="0" eaLnBrk="1" latinLnBrk="0" hangingPunct="1">
+      <a:defRPr sz="1800" kern="1200">
         <a:solidFill>
           <a:schemeClr val="tx1"/>
         </a:solidFill>
@@ -105,6 +104,11 @@
       </a:defRPr>
     </a:lvl9pPr>
   </p:defaultTextStyle>
+  <p:extLst>
+    <p:ext uri="{EFAFB233-063F-42B5-8137-9DF3F51BA10A}">
+      <p15:sldGuideLst xmlns:p15="http://schemas.microsoft.com/office/powerpoint/2012/main"/>
+    </p:ext>
+  </p:extLst>
 </p:presentation>
 </file>
 
@@ -255,7 +259,7 @@
           <a:p>
             <a:fld id="{EED1C14C-A143-42F5-B247-D0E800131009}" type="datetimeFigureOut">
               <a:rPr lang="en-US" smtClean="0"/>
-              <a:t>8/15/2018</a:t>
+              <a:t>9/23/21</a:t>
             </a:fld>
             <a:endParaRPr lang="en-US"/>
           </a:p>
@@ -453,7 +457,7 @@
           <a:p>
             <a:fld id="{EED1C14C-A143-42F5-B247-D0E800131009}" type="datetimeFigureOut">
               <a:rPr lang="en-US" smtClean="0"/>
-              <a:t>8/15/2018</a:t>
+              <a:t>9/23/21</a:t>
             </a:fld>
             <a:endParaRPr lang="en-US"/>
           </a:p>
@@ -661,7 +665,7 @@
           <a:p>
             <a:fld id="{EED1C14C-A143-42F5-B247-D0E800131009}" type="datetimeFigureOut">
               <a:rPr lang="en-US" smtClean="0"/>
-              <a:t>8/15/2018</a:t>
+              <a:t>9/23/21</a:t>
             </a:fld>
             <a:endParaRPr lang="en-US"/>
           </a:p>
@@ -859,7 +863,7 @@
           <a:p>
             <a:fld id="{EED1C14C-A143-42F5-B247-D0E800131009}" type="datetimeFigureOut">
               <a:rPr lang="en-US" smtClean="0"/>
-              <a:t>8/15/2018</a:t>
+              <a:t>9/23/21</a:t>
             </a:fld>
             <a:endParaRPr lang="en-US"/>
           </a:p>
@@ -1134,7 +1138,7 @@
           <a:p>
             <a:fld id="{EED1C14C-A143-42F5-B247-D0E800131009}" type="datetimeFigureOut">
               <a:rPr lang="en-US" smtClean="0"/>
-              <a:t>8/15/2018</a:t>
+              <a:t>9/23/21</a:t>
             </a:fld>
             <a:endParaRPr lang="en-US"/>
           </a:p>
@@ -1399,7 +1403,7 @@
           <a:p>
             <a:fld id="{EED1C14C-A143-42F5-B247-D0E800131009}" type="datetimeFigureOut">
               <a:rPr lang="en-US" smtClean="0"/>
-              <a:t>8/15/2018</a:t>
+              <a:t>9/23/21</a:t>
             </a:fld>
             <a:endParaRPr lang="en-US"/>
           </a:p>
@@ -1811,7 +1815,7 @@
           <a:p>
             <a:fld id="{EED1C14C-A143-42F5-B247-D0E800131009}" type="datetimeFigureOut">
               <a:rPr lang="en-US" smtClean="0"/>
-              <a:t>8/15/2018</a:t>
+              <a:t>9/23/21</a:t>
             </a:fld>
             <a:endParaRPr lang="en-US"/>
           </a:p>
@@ -1952,7 +1956,7 @@
           <a:p>
             <a:fld id="{EED1C14C-A143-42F5-B247-D0E800131009}" type="datetimeFigureOut">
               <a:rPr lang="en-US" smtClean="0"/>
-              <a:t>8/15/2018</a:t>
+              <a:t>9/23/21</a:t>
             </a:fld>
             <a:endParaRPr lang="en-US"/>
           </a:p>
@@ -2065,7 +2069,7 @@
           <a:p>
             <a:fld id="{EED1C14C-A143-42F5-B247-D0E800131009}" type="datetimeFigureOut">
               <a:rPr lang="en-US" smtClean="0"/>
-              <a:t>8/15/2018</a:t>
+              <a:t>9/23/21</a:t>
             </a:fld>
             <a:endParaRPr lang="en-US"/>
           </a:p>
@@ -2376,7 +2380,7 @@
           <a:p>
             <a:fld id="{EED1C14C-A143-42F5-B247-D0E800131009}" type="datetimeFigureOut">
               <a:rPr lang="en-US" smtClean="0"/>
-              <a:t>8/15/2018</a:t>
+              <a:t>9/23/21</a:t>
             </a:fld>
             <a:endParaRPr lang="en-US"/>
           </a:p>
@@ -2664,7 +2668,7 @@
           <a:p>
             <a:fld id="{EED1C14C-A143-42F5-B247-D0E800131009}" type="datetimeFigureOut">
               <a:rPr lang="en-US" smtClean="0"/>
-              <a:t>8/15/2018</a:t>
+              <a:t>9/23/21</a:t>
             </a:fld>
             <a:endParaRPr lang="en-US"/>
           </a:p>
@@ -2905,7 +2909,7 @@
           <a:p>
             <a:fld id="{EED1C14C-A143-42F5-B247-D0E800131009}" type="datetimeFigureOut">
               <a:rPr lang="en-US" smtClean="0"/>
-              <a:t>8/15/2018</a:t>
+              <a:t>9/23/21</a:t>
             </a:fld>
             <a:endParaRPr lang="en-US"/>
           </a:p>
@@ -3306,93 +3310,7 @@
 </file>
 
 <file path=ppt/slides/slide1.xml><?xml version="1.0" encoding="utf-8"?>
-<p:sld xmlns:a="http://schemas.openxmlformats.org/drawingml/2006/main" xmlns:p="http://schemas.openxmlformats.org/presentationml/2006/main" xmlns:r="http://schemas.openxmlformats.org/officeDocument/2006/relationships">
-  <p:cSld>
-    <p:spTree>
-      <p:nvGrpSpPr>
-        <p:cNvPr id="1" name=""/>
-        <p:cNvGrpSpPr/>
-        <p:nvPr/>
-      </p:nvGrpSpPr>
-      <p:grpSpPr>
-        <a:xfrm>
-          <a:off x="0" y="0"/>
-          <a:ext cx="0" cy="0"/>
-          <a:chOff x="0" y="0"/>
-          <a:chExt cx="0" cy="0"/>
-        </a:xfrm>
-      </p:grpSpPr>
-      <p:sp>
-        <p:nvSpPr>
-          <p:cNvPr id="0" name="slide1">
-            <a:extLst>
-              <a:ext uri="{FF2B5EF4-FFF2-40B4-BE49-F238E27FC236}">
-                <a16:creationId xmlns:a16="http://schemas.microsoft.com/office/drawing/2014/main" id="{9CD7FC29-378B-4BE2-A0ED-C0B5BFF8D76A}"/>
-              </a:ext>
-            </a:extLst>
-          </p:cNvPr>
-          <p:cNvSpPr>
-            <a:spLocks noGrp="1"/>
-          </p:cNvSpPr>
-          <p:nvPr>
-            <p:ph idx="0" type="ctrTitle"/>
-          </p:nvPr>
-        </p:nvSpPr>
-        <p:spPr/>
-        <p:txBody>
-          <a:bodyPr/>
-          <a:lstStyle/>
-          <a:p>
-            <a:r>
-              <a:rPr/>
-              <a:t>Tableau-Antibiotics</a:t>
-            </a:r>
-          </a:p>
-        </p:txBody>
-      </p:sp>
-      <p:sp>
-        <p:nvSpPr>
-          <p:cNvPr id="1" name="slide1">
-            <a:extLst>
-              <a:ext uri="{FF2B5EF4-FFF2-40B4-BE49-F238E27FC236}">
-                <a16:creationId xmlns:a16="http://schemas.microsoft.com/office/drawing/2014/main" id="{B57F929F-A31A-4E02-8F07-164656780CE9}"/>
-              </a:ext>
-            </a:extLst>
-          </p:cNvPr>
-          <p:cNvSpPr>
-            <a:spLocks noGrp="1"/>
-          </p:cNvSpPr>
-          <p:nvPr>
-            <p:ph idx="1" type="subTitle"/>
-          </p:nvPr>
-        </p:nvSpPr>
-        <p:spPr/>
-        <p:txBody>
-          <a:bodyPr/>
-          <a:lstStyle/>
-          <a:p>
-            <a:r>
-              <a:rPr/>
-              <a:t>File created on: 9/23/21 4:38:46 AM CDT</a:t>
-            </a:r>
-          </a:p>
-        </p:txBody>
-      </p:sp>
-    </p:spTree>
-    <p:extLst>
-      <p:ext uri="{BB962C8B-B14F-4D97-AF65-F5344CB8AC3E}">
-        <p14:creationId xmlns:p14="http://schemas.microsoft.com/office/powerpoint/2010/main" val="95992585"/>
-      </p:ext>
-    </p:extLst>
-  </p:cSld>
-  <p:clrMapOvr>
-    <a:masterClrMapping/>
-  </p:clrMapOvr>
-</p:sld>
-</file>
-
-<file path=ppt/slides/slide2.xml><?xml version="1.0" encoding="utf-8"?>
-<p:sld xmlns:a="http://schemas.openxmlformats.org/drawingml/2006/main" xmlns:p="http://schemas.openxmlformats.org/presentationml/2006/main" xmlns:r="http://schemas.openxmlformats.org/officeDocument/2006/relationships">
+<p:sld xmlns:a="http://schemas.openxmlformats.org/drawingml/2006/main" xmlns:r="http://schemas.openxmlformats.org/officeDocument/2006/relationships" xmlns:p="http://schemas.openxmlformats.org/presentationml/2006/main">
   <p:cSld>
     <p:spTree>
       <p:nvGrpSpPr>
@@ -3410,10 +3328,10 @@
       </p:grpSpPr>
       <p:pic>
         <p:nvPicPr>
-          <p:cNvPr descr="Dashboard 5 (3)" id="2" name="slide2">
-            <a:extLst>
-              <a:ext uri="{FF2B5EF4-FFF2-40B4-BE49-F238E27FC236}">
-                <a16:creationId xmlns:a16="http://schemas.microsoft.com/office/drawing/2014/main" id="{6478DBB4-505D-4B69-9000-25D2A45264F1}"/>
+          <p:cNvPr id="2" name="slide2" descr="Dashboard 5 (3)">
+            <a:extLst>
+              <a:ext uri="{FF2B5EF4-FFF2-40B4-BE49-F238E27FC236}">
+                <a16:creationId xmlns:a16="http://schemas.microsoft.com/office/drawing/2014/main" id="{7D150738-1C77-4519-87F9-B03CA5E4C459}"/>
               </a:ext>
             </a:extLst>
           </p:cNvPr>
@@ -3423,7 +3341,7 @@
           <p:nvPr/>
         </p:nvPicPr>
         <p:blipFill>
-          <a:blip r:embed="rId7">
+          <a:blip r:embed="rId2">
             <a:extLst>
               <a:ext uri="{28A0092B-C50C-407E-A947-70E740481C1C}">
                 <a14:useLocalDpi xmlns:a14="http://schemas.microsoft.com/office/drawing/2010/main" val="0"/>
@@ -3436,44 +3354,14 @@
         </p:blipFill>
         <p:spPr>
           <a:xfrm>
-            <a:off x="609600" y="0"/>
-            <a:ext cx="10972800" cy="6858000"/>
+            <a:off x="1537689" y="0"/>
+            <a:ext cx="9116622" cy="6857999"/>
           </a:xfrm>
           <a:prstGeom prst="rect">
             <a:avLst/>
           </a:prstGeom>
         </p:spPr>
       </p:pic>
-    </p:spTree>
-    <p:extLst>
-      <p:ext uri="{BB962C8B-B14F-4D97-AF65-F5344CB8AC3E}">
-        <p14:creationId xmlns:p14="http://schemas.microsoft.com/office/powerpoint/2010/main" val="95992585"/>
-      </p:ext>
-    </p:extLst>
-  </p:cSld>
-  <p:clrMapOvr>
-    <a:masterClrMapping/>
-  </p:clrMapOvr>
-</p:sld>
-</file>
-
-<file path=ppt/slides/slideTemplate.xml><?xml version="1.0" encoding="utf-8"?>
-<p:sld xmlns:a="http://schemas.openxmlformats.org/drawingml/2006/main" xmlns:r="http://schemas.openxmlformats.org/officeDocument/2006/relationships" xmlns:p="http://schemas.openxmlformats.org/presentationml/2006/main">
-  <p:cSld>
-    <p:spTree>
-      <p:nvGrpSpPr>
-        <p:cNvPr id="1" name=""/>
-        <p:cNvGrpSpPr/>
-        <p:nvPr/>
-      </p:nvGrpSpPr>
-      <p:grpSpPr>
-        <a:xfrm>
-          <a:off x="0" y="0"/>
-          <a:ext cx="0" cy="0"/>
-          <a:chOff x="0" y="0"/>
-          <a:chExt cx="0" cy="0"/>
-        </a:xfrm>
-      </p:grpSpPr>
     </p:spTree>
     <p:extLst>
       <p:ext uri="{BB962C8B-B14F-4D97-AF65-F5344CB8AC3E}">

--- a/Tableau-Antibiotics.pptx
+++ b/Tableau-Antibiotics.pptx
@@ -3331,7 +3331,7 @@
           <p:cNvPr id="2" name="slide2" descr="Dashboard 5 (3)">
             <a:extLst>
               <a:ext uri="{FF2B5EF4-FFF2-40B4-BE49-F238E27FC236}">
-                <a16:creationId xmlns:a16="http://schemas.microsoft.com/office/drawing/2014/main" id="{7D150738-1C77-4519-87F9-B03CA5E4C459}"/>
+                <a16:creationId xmlns:a16="http://schemas.microsoft.com/office/drawing/2014/main" id="{7D5192E1-D5D6-49CD-A7B5-2C3BB82768AB}"/>
               </a:ext>
             </a:extLst>
           </p:cNvPr>
@@ -3354,8 +3354,8 @@
         </p:blipFill>
         <p:spPr>
           <a:xfrm>
-            <a:off x="1537689" y="0"/>
-            <a:ext cx="9116622" cy="6857999"/>
+            <a:off x="951033" y="0"/>
+            <a:ext cx="10289933" cy="6857999"/>
           </a:xfrm>
           <a:prstGeom prst="rect">
             <a:avLst/>
